--- a/Lesson 3/Web_Lesson3 .pptx
+++ b/Lesson 3/Web_Lesson3 .pptx
@@ -250,7 +250,7 @@
           <a:p>
             <a:fld id="{5C4D236F-8C10-4FB8-95F7-950ED5CD5C97}" type="datetimeFigureOut">
               <a:rPr lang="en-US" smtClean="0"/>
-              <a:t>1/29/2018</a:t>
+              <a:t>2/15/2018</a:t>
             </a:fld>
             <a:endParaRPr lang="en-US"/>
           </a:p>
@@ -3438,7 +3438,7 @@
           <a:p>
             <a:fld id="{9A451B7C-939F-4CBD-8387-44B93C154F7E}" type="slidenum">
               <a:rPr lang="en-US" smtClean="0"/>
-              <a:t>43</a:t>
+              <a:t>42</a:t>
             </a:fld>
             <a:endParaRPr lang="en-US"/>
           </a:p>
@@ -4077,7 +4077,7 @@
           <a:p>
             <a:fld id="{A9B77C0E-67A9-7043-A4EF-BB6590D640F8}" type="datetimeFigureOut">
               <a:rPr lang="en-US" smtClean="0"/>
-              <a:t>1/29/2018</a:t>
+              <a:t>2/15/2018</a:t>
             </a:fld>
             <a:endParaRPr lang="en-US"/>
           </a:p>
@@ -4245,7 +4245,7 @@
           <a:p>
             <a:fld id="{A9B77C0E-67A9-7043-A4EF-BB6590D640F8}" type="datetimeFigureOut">
               <a:rPr lang="en-US" smtClean="0"/>
-              <a:t>1/29/2018</a:t>
+              <a:t>2/15/2018</a:t>
             </a:fld>
             <a:endParaRPr lang="en-US"/>
           </a:p>
@@ -4423,7 +4423,7 @@
           <a:p>
             <a:fld id="{A9B77C0E-67A9-7043-A4EF-BB6590D640F8}" type="datetimeFigureOut">
               <a:rPr lang="en-US" smtClean="0"/>
-              <a:t>1/29/2018</a:t>
+              <a:t>2/15/2018</a:t>
             </a:fld>
             <a:endParaRPr lang="en-US"/>
           </a:p>
@@ -4663,7 +4663,7 @@
           <a:p>
             <a:fld id="{55DCB603-DD01-A748-9C61-5B34346B2E0D}" type="datetimeFigureOut">
               <a:rPr lang="en-US" smtClean="0"/>
-              <a:t>1/29/2018</a:t>
+              <a:t>2/15/2018</a:t>
             </a:fld>
             <a:endParaRPr lang="en-US"/>
           </a:p>
@@ -4831,7 +4831,7 @@
           <a:p>
             <a:fld id="{55DCB603-DD01-A748-9C61-5B34346B2E0D}" type="datetimeFigureOut">
               <a:rPr lang="en-US" smtClean="0"/>
-              <a:t>1/29/2018</a:t>
+              <a:t>2/15/2018</a:t>
             </a:fld>
             <a:endParaRPr lang="en-US"/>
           </a:p>
@@ -5076,7 +5076,7 @@
           <a:p>
             <a:fld id="{55DCB603-DD01-A748-9C61-5B34346B2E0D}" type="datetimeFigureOut">
               <a:rPr lang="en-US" smtClean="0"/>
-              <a:t>1/29/2018</a:t>
+              <a:t>2/15/2018</a:t>
             </a:fld>
             <a:endParaRPr lang="en-US"/>
           </a:p>
@@ -5361,7 +5361,7 @@
           <a:p>
             <a:fld id="{55DCB603-DD01-A748-9C61-5B34346B2E0D}" type="datetimeFigureOut">
               <a:rPr lang="en-US" smtClean="0"/>
-              <a:t>1/29/2018</a:t>
+              <a:t>2/15/2018</a:t>
             </a:fld>
             <a:endParaRPr lang="en-US"/>
           </a:p>
@@ -5780,7 +5780,7 @@
           <a:p>
             <a:fld id="{55DCB603-DD01-A748-9C61-5B34346B2E0D}" type="datetimeFigureOut">
               <a:rPr lang="en-US" smtClean="0"/>
-              <a:t>1/29/2018</a:t>
+              <a:t>2/15/2018</a:t>
             </a:fld>
             <a:endParaRPr lang="en-US"/>
           </a:p>
@@ -5897,7 +5897,7 @@
           <a:p>
             <a:fld id="{55DCB603-DD01-A748-9C61-5B34346B2E0D}" type="datetimeFigureOut">
               <a:rPr lang="en-US" smtClean="0"/>
-              <a:t>1/29/2018</a:t>
+              <a:t>2/15/2018</a:t>
             </a:fld>
             <a:endParaRPr lang="en-US"/>
           </a:p>
@@ -5992,7 +5992,7 @@
           <a:p>
             <a:fld id="{55DCB603-DD01-A748-9C61-5B34346B2E0D}" type="datetimeFigureOut">
               <a:rPr lang="en-US" smtClean="0"/>
-              <a:t>1/29/2018</a:t>
+              <a:t>2/15/2018</a:t>
             </a:fld>
             <a:endParaRPr lang="en-US"/>
           </a:p>
@@ -6267,7 +6267,7 @@
           <a:p>
             <a:fld id="{55DCB603-DD01-A748-9C61-5B34346B2E0D}" type="datetimeFigureOut">
               <a:rPr lang="en-US" smtClean="0"/>
-              <a:t>1/29/2018</a:t>
+              <a:t>2/15/2018</a:t>
             </a:fld>
             <a:endParaRPr lang="en-US"/>
           </a:p>
@@ -6435,7 +6435,7 @@
           <a:p>
             <a:fld id="{A9B77C0E-67A9-7043-A4EF-BB6590D640F8}" type="datetimeFigureOut">
               <a:rPr lang="en-US" smtClean="0"/>
-              <a:t>1/29/2018</a:t>
+              <a:t>2/15/2018</a:t>
             </a:fld>
             <a:endParaRPr lang="en-US"/>
           </a:p>
@@ -6687,7 +6687,7 @@
           <a:p>
             <a:fld id="{55DCB603-DD01-A748-9C61-5B34346B2E0D}" type="datetimeFigureOut">
               <a:rPr lang="en-US" smtClean="0"/>
-              <a:t>1/29/2018</a:t>
+              <a:t>2/15/2018</a:t>
             </a:fld>
             <a:endParaRPr lang="en-US"/>
           </a:p>
@@ -6855,7 +6855,7 @@
           <a:p>
             <a:fld id="{55DCB603-DD01-A748-9C61-5B34346B2E0D}" type="datetimeFigureOut">
               <a:rPr lang="en-US" smtClean="0"/>
-              <a:t>1/29/2018</a:t>
+              <a:t>2/15/2018</a:t>
             </a:fld>
             <a:endParaRPr lang="en-US"/>
           </a:p>
@@ -7033,7 +7033,7 @@
           <a:p>
             <a:fld id="{55DCB603-DD01-A748-9C61-5B34346B2E0D}" type="datetimeFigureOut">
               <a:rPr lang="en-US" smtClean="0"/>
-              <a:t>1/29/2018</a:t>
+              <a:t>2/15/2018</a:t>
             </a:fld>
             <a:endParaRPr lang="en-US"/>
           </a:p>
@@ -7278,7 +7278,7 @@
           <a:p>
             <a:fld id="{A9B77C0E-67A9-7043-A4EF-BB6590D640F8}" type="datetimeFigureOut">
               <a:rPr lang="en-US" smtClean="0"/>
-              <a:t>1/29/2018</a:t>
+              <a:t>2/15/2018</a:t>
             </a:fld>
             <a:endParaRPr lang="en-US"/>
           </a:p>
@@ -7563,7 +7563,7 @@
           <a:p>
             <a:fld id="{A9B77C0E-67A9-7043-A4EF-BB6590D640F8}" type="datetimeFigureOut">
               <a:rPr lang="en-US" smtClean="0"/>
-              <a:t>1/29/2018</a:t>
+              <a:t>2/15/2018</a:t>
             </a:fld>
             <a:endParaRPr lang="en-US"/>
           </a:p>
@@ -7982,7 +7982,7 @@
           <a:p>
             <a:fld id="{A9B77C0E-67A9-7043-A4EF-BB6590D640F8}" type="datetimeFigureOut">
               <a:rPr lang="en-US" smtClean="0"/>
-              <a:t>1/29/2018</a:t>
+              <a:t>2/15/2018</a:t>
             </a:fld>
             <a:endParaRPr lang="en-US"/>
           </a:p>
@@ -8099,7 +8099,7 @@
           <a:p>
             <a:fld id="{A9B77C0E-67A9-7043-A4EF-BB6590D640F8}" type="datetimeFigureOut">
               <a:rPr lang="en-US" smtClean="0"/>
-              <a:t>1/29/2018</a:t>
+              <a:t>2/15/2018</a:t>
             </a:fld>
             <a:endParaRPr lang="en-US"/>
           </a:p>
@@ -8194,7 +8194,7 @@
           <a:p>
             <a:fld id="{A9B77C0E-67A9-7043-A4EF-BB6590D640F8}" type="datetimeFigureOut">
               <a:rPr lang="en-US" smtClean="0"/>
-              <a:t>1/29/2018</a:t>
+              <a:t>2/15/2018</a:t>
             </a:fld>
             <a:endParaRPr lang="en-US"/>
           </a:p>
@@ -8469,7 +8469,7 @@
           <a:p>
             <a:fld id="{A9B77C0E-67A9-7043-A4EF-BB6590D640F8}" type="datetimeFigureOut">
               <a:rPr lang="en-US" smtClean="0"/>
-              <a:t>1/29/2018</a:t>
+              <a:t>2/15/2018</a:t>
             </a:fld>
             <a:endParaRPr lang="en-US"/>
           </a:p>
@@ -8721,7 +8721,7 @@
           <a:p>
             <a:fld id="{A9B77C0E-67A9-7043-A4EF-BB6590D640F8}" type="datetimeFigureOut">
               <a:rPr lang="en-US" smtClean="0"/>
-              <a:t>1/29/2018</a:t>
+              <a:t>2/15/2018</a:t>
             </a:fld>
             <a:endParaRPr lang="en-US"/>
           </a:p>
@@ -8932,7 +8932,7 @@
           <a:p>
             <a:fld id="{A9B77C0E-67A9-7043-A4EF-BB6590D640F8}" type="datetimeFigureOut">
               <a:rPr lang="en-US" smtClean="0"/>
-              <a:t>1/29/2018</a:t>
+              <a:t>2/15/2018</a:t>
             </a:fld>
             <a:endParaRPr lang="en-US"/>
           </a:p>
@@ -9446,7 +9446,7 @@
           <a:p>
             <a:fld id="{55DCB603-DD01-A748-9C61-5B34346B2E0D}" type="datetimeFigureOut">
               <a:rPr lang="en-US" smtClean="0"/>
-              <a:t>1/29/2018</a:t>
+              <a:t>2/15/2018</a:t>
             </a:fld>
             <a:endParaRPr lang="en-US"/>
           </a:p>
@@ -10151,6 +10151,10 @@
               <a:rPr lang="en-US" sz="2800" dirty="0"/>
               <a:t>) {</a:t>
             </a:r>
+            <a:r>
+              <a:rPr lang="en-US" dirty="0"/>
+              <a:t/>
+            </a:r>
             <a:br>
               <a:rPr lang="en-US" dirty="0"/>
             </a:br>
@@ -10174,6 +10178,10 @@
               <a:rPr lang="en-US" sz="2800" dirty="0"/>
               <a:t> = first;</a:t>
             </a:r>
+            <a:r>
+              <a:rPr lang="en-US" dirty="0"/>
+              <a:t/>
+            </a:r>
             <a:br>
               <a:rPr lang="en-US" dirty="0"/>
             </a:br>
@@ -10197,6 +10205,10 @@
               <a:rPr lang="en-US" sz="2800" dirty="0"/>
               <a:t> = last;</a:t>
             </a:r>
+            <a:r>
+              <a:rPr lang="en-US" dirty="0"/>
+              <a:t/>
+            </a:r>
             <a:br>
               <a:rPr lang="en-US" dirty="0"/>
             </a:br>
@@ -10219,6 +10231,10 @@
             <a:r>
               <a:rPr lang="en-US" sz="2800" dirty="0"/>
               <a:t> = age;</a:t>
+            </a:r>
+            <a:r>
+              <a:rPr lang="en-US" dirty="0"/>
+              <a:t/>
             </a:r>
             <a:br>
               <a:rPr lang="en-US" dirty="0"/>
@@ -10401,6 +10417,10 @@
               <a:rPr lang="en-US" sz="2800" dirty="0"/>
               <a:t>) {</a:t>
             </a:r>
+            <a:r>
+              <a:rPr lang="en-US" dirty="0"/>
+              <a:t/>
+            </a:r>
             <a:br>
               <a:rPr lang="en-US" dirty="0"/>
             </a:br>
@@ -10424,6 +10444,10 @@
               <a:rPr lang="en-US" sz="2800" dirty="0"/>
               <a:t> = first;</a:t>
             </a:r>
+            <a:r>
+              <a:rPr lang="en-US" dirty="0"/>
+              <a:t/>
+            </a:r>
             <a:br>
               <a:rPr lang="en-US" dirty="0"/>
             </a:br>
@@ -10446,6 +10470,10 @@
             <a:r>
               <a:rPr lang="en-US" sz="2800" dirty="0"/>
               <a:t> = last;</a:t>
+            </a:r>
+            <a:r>
+              <a:rPr lang="en-US" dirty="0"/>
+              <a:t/>
             </a:r>
             <a:br>
               <a:rPr lang="en-US" dirty="0"/>
@@ -11054,6 +11082,10 @@
               </a:rPr>
               <a:t>/3.2.1/jquery.min.js"&gt;&lt;/script&gt;</a:t>
             </a:r>
+            <a:r>
+              <a:rPr lang="en-US" dirty="0"/>
+              <a:t/>
+            </a:r>
             <a:br>
               <a:rPr lang="en-US" dirty="0"/>
             </a:br>
@@ -11349,6 +11381,10 @@
             <a:pPr marL="0" indent="0">
               <a:buNone/>
             </a:pPr>
+            <a:r>
+              <a:rPr lang="en-US" dirty="0"/>
+              <a:t/>
+            </a:r>
             <a:br>
               <a:rPr lang="en-US" dirty="0"/>
             </a:br>
@@ -13276,6 +13312,10 @@
               </a:rPr>
               <a:t>the action to take in response-&gt;Callback</a:t>
             </a:r>
+            <a:r>
+              <a:rPr lang="en-US" dirty="0"/>
+              <a:t/>
+            </a:r>
             <a:br>
               <a:rPr lang="en-US" dirty="0"/>
             </a:br>
@@ -17477,6 +17517,10 @@
                 </a:solidFill>
               </a:rPr>
               <a:t>"blue"</a:t>
+            </a:r>
+            <a:r>
+              <a:rPr lang="en-US" dirty="0"/>
+              <a:t/>
             </a:r>
             <a:br>
               <a:rPr lang="en-US" dirty="0"/>
